--- a/CustomerRetention_Presentation.pptx
+++ b/CustomerRetention_Presentation.pptx
@@ -13653,13 +13653,34 @@
           <a:p>
             <a:pPr algn="l"/>
             <a:r>
+              <a:rPr lang="en-US" dirty="0">
+                <a:solidFill>
+                  <a:schemeClr val="tx1"/>
+                </a:solidFill>
+              </a:rPr>
+              <a:t>P</a:t>
+            </a:r>
+            <a:r>
               <a:rPr lang="en-IN" dirty="0">
                 <a:solidFill>
                   <a:schemeClr val="tx1"/>
                 </a:solidFill>
               </a:rPr>
-              <a:t>Author: Siddharth Nair</a:t>
-            </a:r>
+              <a:t>resented by: </a:t>
+            </a:r>
+            <a:r>
+              <a:rPr lang="en-IN">
+                <a:solidFill>
+                  <a:schemeClr val="tx1"/>
+                </a:solidFill>
+              </a:rPr>
+              <a:t>Md Hafizur Rahman</a:t>
+            </a:r>
+            <a:endParaRPr lang="en-IN" dirty="0">
+              <a:solidFill>
+                <a:schemeClr val="tx1"/>
+              </a:solidFill>
+            </a:endParaRPr>
           </a:p>
         </p:txBody>
       </p:sp>
